--- a/演示.pptx
+++ b/演示.pptx
@@ -11,9 +11,9 @@
     <p:sldId id="310" r:id="rId2"/>
     <p:sldId id="311" r:id="rId3"/>
     <p:sldId id="312" r:id="rId4"/>
-    <p:sldId id="313" r:id="rId5"/>
-    <p:sldId id="314" r:id="rId6"/>
-    <p:sldId id="315" r:id="rId7"/>
+    <p:sldId id="314" r:id="rId5"/>
+    <p:sldId id="315" r:id="rId6"/>
+    <p:sldId id="313" r:id="rId7"/>
     <p:sldId id="316" r:id="rId8"/>
     <p:sldId id="317" r:id="rId9"/>
     <p:sldId id="318" r:id="rId10"/>
@@ -223,7 +223,7 @@
             <a:fld id="{892423D9-7F97-477B-AFB3-E5DEF4B36B57}" type="datetimeFigureOut">
               <a:rPr lang="zh-CN" altLang="en-US" smtClean="0"/>
               <a:pPr/>
-              <a:t>2022/7/9</a:t>
+              <a:t>2022/09/06</a:t>
             </a:fld>
             <a:endParaRPr lang="zh-CN" altLang="en-US"/>
           </a:p>
@@ -681,7 +681,7 @@
           <a:p>
             <a:fld id="{E8CCCF9A-8860-4334-A023-1C224231FBBC}" type="datetime1">
               <a:rPr lang="zh-CN" altLang="en-US" smtClean="0"/>
-              <a:t>2022/7/9</a:t>
+              <a:t>2022/09/06</a:t>
             </a:fld>
             <a:endParaRPr lang="zh-CN" altLang="en-US"/>
           </a:p>
@@ -845,7 +845,7 @@
           <a:p>
             <a:fld id="{54065312-3797-46BA-B5E3-4BDDAD307DB8}" type="datetime1">
               <a:rPr lang="zh-CN" altLang="en-US" smtClean="0"/>
-              <a:t>2022/7/9</a:t>
+              <a:t>2022/09/06</a:t>
             </a:fld>
             <a:endParaRPr lang="zh-CN" altLang="en-US"/>
           </a:p>
@@ -1019,7 +1019,7 @@
           <a:p>
             <a:fld id="{B7541BA1-97D8-49F2-86BF-20E198DAFED3}" type="datetime1">
               <a:rPr lang="zh-CN" altLang="en-US" smtClean="0"/>
-              <a:t>2022/7/9</a:t>
+              <a:t>2022/09/06</a:t>
             </a:fld>
             <a:endParaRPr lang="zh-CN" altLang="en-US"/>
           </a:p>
@@ -1216,7 +1216,7 @@
           <a:p>
             <a:fld id="{BD658701-BAAE-497F-B8DF-AD296B55791C}" type="datetime1">
               <a:rPr lang="zh-CN" altLang="en-US" smtClean="0"/>
-              <a:t>2022/7/9</a:t>
+              <a:t>2022/09/06</a:t>
             </a:fld>
             <a:endParaRPr lang="zh-CN" altLang="en-US"/>
           </a:p>
@@ -1457,7 +1457,7 @@
           <a:p>
             <a:fld id="{B695E393-2236-424B-A80F-8BC0326B0C9D}" type="datetime1">
               <a:rPr lang="zh-CN" altLang="en-US" smtClean="0"/>
-              <a:t>2022/7/9</a:t>
+              <a:t>2022/09/06</a:t>
             </a:fld>
             <a:endParaRPr lang="zh-CN" altLang="en-US"/>
           </a:p>
@@ -1682,7 +1682,7 @@
           <a:p>
             <a:fld id="{EF845295-9062-4EF2-85B2-2968AAB8FF6E}" type="datetime1">
               <a:rPr lang="zh-CN" altLang="en-US" smtClean="0"/>
-              <a:t>2022/7/9</a:t>
+              <a:t>2022/09/06</a:t>
             </a:fld>
             <a:endParaRPr lang="zh-CN" altLang="en-US"/>
           </a:p>
@@ -2042,7 +2042,7 @@
           <a:p>
             <a:fld id="{C1D1AD64-36B2-4FB4-AA02-8465D8FC089D}" type="datetime1">
               <a:rPr lang="zh-CN" altLang="en-US" smtClean="0"/>
-              <a:t>2022/7/9</a:t>
+              <a:t>2022/09/06</a:t>
             </a:fld>
             <a:endParaRPr lang="zh-CN" altLang="en-US"/>
           </a:p>
@@ -2213,7 +2213,7 @@
           <a:p>
             <a:fld id="{F224149E-5326-40E4-B936-13DC545C34AC}" type="datetime1">
               <a:rPr lang="zh-CN" altLang="en-US" smtClean="0"/>
-              <a:t>2022/7/9</a:t>
+              <a:t>2022/09/06</a:t>
             </a:fld>
             <a:endParaRPr lang="zh-CN" altLang="en-US"/>
           </a:p>
@@ -2395,7 +2395,7 @@
           <a:p>
             <a:fld id="{FC3F3143-03D8-422F-AEFA-84AB5613CC4E}" type="datetime1">
               <a:rPr lang="zh-CN" altLang="en-US" smtClean="0"/>
-              <a:t>2022/7/9</a:t>
+              <a:t>2022/09/06</a:t>
             </a:fld>
             <a:endParaRPr lang="zh-CN" altLang="en-US"/>
           </a:p>
@@ -2679,7 +2679,7 @@
           <a:p>
             <a:fld id="{4992543B-4D30-431C-9227-F72AC08E6C1C}" type="datetime1">
               <a:rPr lang="zh-CN" altLang="en-US" smtClean="0"/>
-              <a:t>2022/7/9</a:t>
+              <a:t>2022/09/06</a:t>
             </a:fld>
             <a:endParaRPr lang="zh-CN" altLang="en-US"/>
           </a:p>
@@ -2927,7 +2927,7 @@
           <a:p>
             <a:fld id="{302372C0-3FF9-4D19-92D8-B4C5577A4CD4}" type="datetime1">
               <a:rPr lang="zh-CN" altLang="en-US" smtClean="0"/>
-              <a:t>2022/7/9</a:t>
+              <a:t>2022/09/06</a:t>
             </a:fld>
             <a:endParaRPr lang="zh-CN" altLang="en-US"/>
           </a:p>
@@ -3137,7 +3137,7 @@
           <a:p>
             <a:fld id="{B23D92FC-46F9-47BF-ACAA-AEBA39C0EE9D}" type="datetime1">
               <a:rPr lang="zh-CN" altLang="en-US" smtClean="0"/>
-              <a:t>2022/7/9</a:t>
+              <a:t>2022/09/06</a:t>
             </a:fld>
             <a:endParaRPr lang="zh-CN" altLang="en-US"/>
           </a:p>
@@ -4434,6 +4434,265 @@
           <p:cNvPr id="2" name="标题 1">
             <a:extLst>
               <a:ext uri="{FF2B5EF4-FFF2-40B4-BE49-F238E27FC236}">
+                <a16:creationId xmlns:a16="http://schemas.microsoft.com/office/drawing/2014/main" id="{F4B0FD46-0A41-A4D1-07BB-663E1686C205}"/>
+              </a:ext>
+            </a:extLst>
+          </p:cNvPr>
+          <p:cNvSpPr>
+            <a:spLocks noGrp="1"/>
+          </p:cNvSpPr>
+          <p:nvPr>
+            <p:ph type="title"/>
+          </p:nvPr>
+        </p:nvSpPr>
+        <p:spPr/>
+        <p:txBody>
+          <a:bodyPr/>
+          <a:lstStyle/>
+          <a:p>
+            <a:r>
+              <a:rPr lang="zh-CN" altLang="en-US" dirty="0"/>
+              <a:t>链式法则</a:t>
+            </a:r>
+          </a:p>
+        </p:txBody>
+      </p:sp>
+      <p:sp>
+        <p:nvSpPr>
+          <p:cNvPr id="3" name="灯片编号占位符 2">
+            <a:extLst>
+              <a:ext uri="{FF2B5EF4-FFF2-40B4-BE49-F238E27FC236}">
+                <a16:creationId xmlns:a16="http://schemas.microsoft.com/office/drawing/2014/main" id="{B092B367-7E06-0EC9-E5C7-6A48C48E781D}"/>
+              </a:ext>
+            </a:extLst>
+          </p:cNvPr>
+          <p:cNvSpPr>
+            <a:spLocks noGrp="1"/>
+          </p:cNvSpPr>
+          <p:nvPr>
+            <p:ph type="sldNum" sz="quarter" idx="12"/>
+          </p:nvPr>
+        </p:nvSpPr>
+        <p:spPr/>
+        <p:txBody>
+          <a:bodyPr/>
+          <a:lstStyle/>
+          <a:p>
+            <a:fld id="{565CE74E-AB26-4998-AD42-012C4C1AD076}" type="slidenum">
+              <a:rPr lang="zh-CN" altLang="en-US" smtClean="0"/>
+              <a:pPr/>
+              <a:t>4</a:t>
+            </a:fld>
+            <a:endParaRPr lang="zh-CN" altLang="en-US" dirty="0"/>
+          </a:p>
+        </p:txBody>
+      </p:sp>
+      <p:pic>
+        <p:nvPicPr>
+          <p:cNvPr id="2049" name="Picture 1" descr="墨迹绘图&#10;墨迹绘图&#10;墨迹绘图&#10;墨迹绘图&#10;墨迹绘图&#10;墨迹绘图&#10;墨迹绘图&#10;墨迹绘图&#10;墨迹绘图&#10;墨迹绘图&#10;墨迹绘图&#10;墨迹绘图&#10;墨迹绘图&#10;墨迹绘图&#10;墨迹绘图&#10;墨迹绘图&#10;墨迹绘图&#10;墨迹绘图&#10;墨迹绘图&#10;墨迹绘图&#10;墨迹绘图&#10;墨迹绘图&#10;墨迹绘图&#10;墨迹绘图&#10;墨迹绘图&#10;墨迹绘图&#10;墨迹绘图&#10;墨迹绘图&#10;墨迹绘图&#10;墨迹绘图&#10;墨迹绘图&#10;墨迹绘图&#10;墨迹绘图&#10;墨迹绘图&#10;墨迹绘图&#10;墨迹绘图&#10;墨迹绘图&#10;墨迹绘图&#10;墨迹绘图&#10;墨迹绘图&#10;墨迹绘图&#10;墨迹绘图&#10;墨迹绘图&#10;墨迹绘图&#10;墨迹绘图&#10;墨迹绘图&#10;墨迹绘图&#10;墨迹绘图&#10;墨迹绘图&#10;墨迹绘图&#10;墨迹绘图&#10;墨迹绘图&#10;墨迹绘图&#10;墨迹绘图&#10;墨迹绘图&#10;墨迹绘图&#10;墨迹绘图&#10;墨迹绘图&#10;墨迹绘图&#10;墨迹绘图&#10;墨迹绘图&#10;墨迹绘图&#10;墨迹绘图&#10;墨迹绘图&#10;墨迹绘图&#10;墨迹绘图&#10;墨迹绘图&#10;墨迹绘图&#10;墨迹绘图&#10;墨迹绘图&#10;墨迹绘图&#10;墨迹绘图&#10;墨迹绘图&#10;墨迹绘图&#10;墨迹绘图&#10;墨迹绘图&#10;墨迹绘图&#10;墨迹绘图&#10;墨迹绘图&#10;墨迹绘图&#10;墨迹绘图&#10;墨迹绘图&#10;墨迹绘图&#10;墨迹绘图&#10;墨迹绘图&#10;墨迹绘图&#10;墨迹绘图&#10;墨迹绘图&#10;墨迹绘图&#10;墨迹绘图&#10;墨迹绘图&#10;墨迹绘图&#10;墨迹绘图&#10;墨迹绘图&#10;墨迹绘图&#10;墨迹绘图&#10;墨迹绘图&#10;墨迹绘图&#10;墨迹绘图&#10;墨迹绘图&#10;墨迹绘图&#10;墨迹绘图&#10;墨迹绘图&#10;墨迹绘图&#10;墨迹绘图&#10;">
+            <a:extLst>
+              <a:ext uri="{FF2B5EF4-FFF2-40B4-BE49-F238E27FC236}">
+                <a16:creationId xmlns:a16="http://schemas.microsoft.com/office/drawing/2014/main" id="{97AD57D2-82DC-14A2-4CB4-1C74854FA60A}"/>
+              </a:ext>
+            </a:extLst>
+          </p:cNvPr>
+          <p:cNvPicPr>
+            <a:picLocks noChangeAspect="1" noChangeArrowheads="1"/>
+          </p:cNvPicPr>
+          <p:nvPr/>
+        </p:nvPicPr>
+        <p:blipFill>
+          <a:blip r:embed="rId2">
+            <a:extLst>
+              <a:ext uri="{28A0092B-C50C-407E-A947-70E740481C1C}">
+                <a14:useLocalDpi xmlns:a14="http://schemas.microsoft.com/office/drawing/2010/main" val="0"/>
+              </a:ext>
+            </a:extLst>
+          </a:blip>
+          <a:srcRect/>
+          <a:stretch>
+            <a:fillRect/>
+          </a:stretch>
+        </p:blipFill>
+        <p:spPr bwMode="auto">
+          <a:xfrm>
+            <a:off x="742950" y="1853318"/>
+            <a:ext cx="6407150" cy="4093457"/>
+          </a:xfrm>
+          <a:prstGeom prst="rect">
+            <a:avLst/>
+          </a:prstGeom>
+          <a:noFill/>
+          <a:extLst>
+            <a:ext uri="{909E8E84-426E-40DD-AFC4-6F175D3DCCD1}">
+              <a14:hiddenFill xmlns:a14="http://schemas.microsoft.com/office/drawing/2010/main">
+                <a:solidFill>
+                  <a:srgbClr val="FFFFFF"/>
+                </a:solidFill>
+              </a14:hiddenFill>
+            </a:ext>
+          </a:extLst>
+        </p:spPr>
+      </p:pic>
+    </p:spTree>
+    <p:extLst>
+      <p:ext uri="{BB962C8B-B14F-4D97-AF65-F5344CB8AC3E}">
+        <p14:creationId xmlns:p14="http://schemas.microsoft.com/office/powerpoint/2010/main" val="1694401749"/>
+      </p:ext>
+    </p:extLst>
+  </p:cSld>
+  <p:clrMapOvr>
+    <a:masterClrMapping/>
+  </p:clrMapOvr>
+</p:sld>
+</file>
+
+<file path=ppt/slides/slide5.xml><?xml version="1.0" encoding="utf-8"?>
+<p:sld xmlns:a="http://schemas.openxmlformats.org/drawingml/2006/main" xmlns:r="http://schemas.openxmlformats.org/officeDocument/2006/relationships" xmlns:p="http://schemas.openxmlformats.org/presentationml/2006/main">
+  <p:cSld>
+    <p:spTree>
+      <p:nvGrpSpPr>
+        <p:cNvPr id="1" name=""/>
+        <p:cNvGrpSpPr/>
+        <p:nvPr/>
+      </p:nvGrpSpPr>
+      <p:grpSpPr>
+        <a:xfrm>
+          <a:off x="0" y="0"/>
+          <a:ext cx="0" cy="0"/>
+          <a:chOff x="0" y="0"/>
+          <a:chExt cx="0" cy="0"/>
+        </a:xfrm>
+      </p:grpSpPr>
+      <p:sp>
+        <p:nvSpPr>
+          <p:cNvPr id="2" name="标题 1">
+            <a:extLst>
+              <a:ext uri="{FF2B5EF4-FFF2-40B4-BE49-F238E27FC236}">
+                <a16:creationId xmlns:a16="http://schemas.microsoft.com/office/drawing/2014/main" id="{0AD333CB-0357-E15A-8FEA-5FBA25C769F6}"/>
+              </a:ext>
+            </a:extLst>
+          </p:cNvPr>
+          <p:cNvSpPr>
+            <a:spLocks noGrp="1"/>
+          </p:cNvSpPr>
+          <p:nvPr>
+            <p:ph type="title"/>
+          </p:nvPr>
+        </p:nvSpPr>
+        <p:spPr/>
+        <p:txBody>
+          <a:bodyPr/>
+          <a:lstStyle/>
+          <a:p>
+            <a:r>
+              <a:rPr lang="zh-CN" altLang="en-US" dirty="0"/>
+              <a:t>反向传播的顺序</a:t>
+            </a:r>
+          </a:p>
+        </p:txBody>
+      </p:sp>
+      <p:sp>
+        <p:nvSpPr>
+          <p:cNvPr id="3" name="灯片编号占位符 2">
+            <a:extLst>
+              <a:ext uri="{FF2B5EF4-FFF2-40B4-BE49-F238E27FC236}">
+                <a16:creationId xmlns:a16="http://schemas.microsoft.com/office/drawing/2014/main" id="{CDA9788D-35F3-FE45-51AA-43D680CBB85A}"/>
+              </a:ext>
+            </a:extLst>
+          </p:cNvPr>
+          <p:cNvSpPr>
+            <a:spLocks noGrp="1"/>
+          </p:cNvSpPr>
+          <p:nvPr>
+            <p:ph type="sldNum" sz="quarter" idx="12"/>
+          </p:nvPr>
+        </p:nvSpPr>
+        <p:spPr/>
+        <p:txBody>
+          <a:bodyPr/>
+          <a:lstStyle/>
+          <a:p>
+            <a:fld id="{565CE74E-AB26-4998-AD42-012C4C1AD076}" type="slidenum">
+              <a:rPr lang="zh-CN" altLang="en-US" smtClean="0"/>
+              <a:pPr/>
+              <a:t>5</a:t>
+            </a:fld>
+            <a:endParaRPr lang="zh-CN" altLang="en-US" dirty="0"/>
+          </a:p>
+        </p:txBody>
+      </p:sp>
+      <p:pic>
+        <p:nvPicPr>
+          <p:cNvPr id="5" name="图片 4">
+            <a:extLst>
+              <a:ext uri="{FF2B5EF4-FFF2-40B4-BE49-F238E27FC236}">
+                <a16:creationId xmlns:a16="http://schemas.microsoft.com/office/drawing/2014/main" id="{03FFA22C-54D7-B0BF-AB96-057F81D91C65}"/>
+              </a:ext>
+            </a:extLst>
+          </p:cNvPr>
+          <p:cNvPicPr>
+            <a:picLocks noChangeAspect="1"/>
+          </p:cNvPicPr>
+          <p:nvPr/>
+        </p:nvPicPr>
+        <p:blipFill>
+          <a:blip r:embed="rId2">
+            <a:extLst>
+              <a:ext uri="{28A0092B-C50C-407E-A947-70E740481C1C}">
+                <a14:useLocalDpi xmlns:a14="http://schemas.microsoft.com/office/drawing/2010/main" val="0"/>
+              </a:ext>
+            </a:extLst>
+          </a:blip>
+          <a:stretch>
+            <a:fillRect/>
+          </a:stretch>
+        </p:blipFill>
+        <p:spPr>
+          <a:xfrm>
+            <a:off x="639891" y="1357223"/>
+            <a:ext cx="9255966" cy="4697210"/>
+          </a:xfrm>
+          <a:prstGeom prst="rect">
+            <a:avLst/>
+          </a:prstGeom>
+        </p:spPr>
+      </p:pic>
+    </p:spTree>
+    <p:extLst>
+      <p:ext uri="{BB962C8B-B14F-4D97-AF65-F5344CB8AC3E}">
+        <p14:creationId xmlns:p14="http://schemas.microsoft.com/office/powerpoint/2010/main" val="2191741981"/>
+      </p:ext>
+    </p:extLst>
+  </p:cSld>
+  <p:clrMapOvr>
+    <a:masterClrMapping/>
+  </p:clrMapOvr>
+</p:sld>
+</file>
+
+<file path=ppt/slides/slide6.xml><?xml version="1.0" encoding="utf-8"?>
+<p:sld xmlns:a="http://schemas.openxmlformats.org/drawingml/2006/main" xmlns:r="http://schemas.openxmlformats.org/officeDocument/2006/relationships" xmlns:p="http://schemas.openxmlformats.org/presentationml/2006/main">
+  <p:cSld>
+    <p:spTree>
+      <p:nvGrpSpPr>
+        <p:cNvPr id="1" name=""/>
+        <p:cNvGrpSpPr/>
+        <p:nvPr/>
+      </p:nvGrpSpPr>
+      <p:grpSpPr>
+        <a:xfrm>
+          <a:off x="0" y="0"/>
+          <a:ext cx="0" cy="0"/>
+          <a:chOff x="0" y="0"/>
+          <a:chExt cx="0" cy="0"/>
+        </a:xfrm>
+      </p:grpSpPr>
+      <p:sp>
+        <p:nvSpPr>
+          <p:cNvPr id="2" name="标题 1">
+            <a:extLst>
+              <a:ext uri="{FF2B5EF4-FFF2-40B4-BE49-F238E27FC236}">
                 <a16:creationId xmlns:a16="http://schemas.microsoft.com/office/drawing/2014/main" id="{DF08638E-771F-52D6-EB90-426E3D32B4FB}"/>
               </a:ext>
             </a:extLst>
@@ -4481,7 +4740,7 @@
             <a:fld id="{565CE74E-AB26-4998-AD42-012C4C1AD076}" type="slidenum">
               <a:rPr lang="zh-CN" altLang="en-US" smtClean="0"/>
               <a:pPr/>
-              <a:t>4</a:t>
+              <a:t>6</a:t>
             </a:fld>
             <a:endParaRPr lang="zh-CN" altLang="en-US" dirty="0"/>
           </a:p>
@@ -4527,265 +4786,6 @@
     <p:extLst>
       <p:ext uri="{BB962C8B-B14F-4D97-AF65-F5344CB8AC3E}">
         <p14:creationId xmlns:p14="http://schemas.microsoft.com/office/powerpoint/2010/main" val="3131482383"/>
-      </p:ext>
-    </p:extLst>
-  </p:cSld>
-  <p:clrMapOvr>
-    <a:masterClrMapping/>
-  </p:clrMapOvr>
-</p:sld>
-</file>
-
-<file path=ppt/slides/slide5.xml><?xml version="1.0" encoding="utf-8"?>
-<p:sld xmlns:a="http://schemas.openxmlformats.org/drawingml/2006/main" xmlns:r="http://schemas.openxmlformats.org/officeDocument/2006/relationships" xmlns:p="http://schemas.openxmlformats.org/presentationml/2006/main">
-  <p:cSld>
-    <p:spTree>
-      <p:nvGrpSpPr>
-        <p:cNvPr id="1" name=""/>
-        <p:cNvGrpSpPr/>
-        <p:nvPr/>
-      </p:nvGrpSpPr>
-      <p:grpSpPr>
-        <a:xfrm>
-          <a:off x="0" y="0"/>
-          <a:ext cx="0" cy="0"/>
-          <a:chOff x="0" y="0"/>
-          <a:chExt cx="0" cy="0"/>
-        </a:xfrm>
-      </p:grpSpPr>
-      <p:sp>
-        <p:nvSpPr>
-          <p:cNvPr id="2" name="标题 1">
-            <a:extLst>
-              <a:ext uri="{FF2B5EF4-FFF2-40B4-BE49-F238E27FC236}">
-                <a16:creationId xmlns:a16="http://schemas.microsoft.com/office/drawing/2014/main" id="{F4B0FD46-0A41-A4D1-07BB-663E1686C205}"/>
-              </a:ext>
-            </a:extLst>
-          </p:cNvPr>
-          <p:cNvSpPr>
-            <a:spLocks noGrp="1"/>
-          </p:cNvSpPr>
-          <p:nvPr>
-            <p:ph type="title"/>
-          </p:nvPr>
-        </p:nvSpPr>
-        <p:spPr/>
-        <p:txBody>
-          <a:bodyPr/>
-          <a:lstStyle/>
-          <a:p>
-            <a:r>
-              <a:rPr lang="zh-CN" altLang="en-US" dirty="0"/>
-              <a:t>链式法则</a:t>
-            </a:r>
-          </a:p>
-        </p:txBody>
-      </p:sp>
-      <p:sp>
-        <p:nvSpPr>
-          <p:cNvPr id="3" name="灯片编号占位符 2">
-            <a:extLst>
-              <a:ext uri="{FF2B5EF4-FFF2-40B4-BE49-F238E27FC236}">
-                <a16:creationId xmlns:a16="http://schemas.microsoft.com/office/drawing/2014/main" id="{B092B367-7E06-0EC9-E5C7-6A48C48E781D}"/>
-              </a:ext>
-            </a:extLst>
-          </p:cNvPr>
-          <p:cNvSpPr>
-            <a:spLocks noGrp="1"/>
-          </p:cNvSpPr>
-          <p:nvPr>
-            <p:ph type="sldNum" sz="quarter" idx="12"/>
-          </p:nvPr>
-        </p:nvSpPr>
-        <p:spPr/>
-        <p:txBody>
-          <a:bodyPr/>
-          <a:lstStyle/>
-          <a:p>
-            <a:fld id="{565CE74E-AB26-4998-AD42-012C4C1AD076}" type="slidenum">
-              <a:rPr lang="zh-CN" altLang="en-US" smtClean="0"/>
-              <a:pPr/>
-              <a:t>5</a:t>
-            </a:fld>
-            <a:endParaRPr lang="zh-CN" altLang="en-US" dirty="0"/>
-          </a:p>
-        </p:txBody>
-      </p:sp>
-      <p:pic>
-        <p:nvPicPr>
-          <p:cNvPr id="2049" name="Picture 1" descr="墨迹绘图&#10;墨迹绘图&#10;墨迹绘图&#10;墨迹绘图&#10;墨迹绘图&#10;墨迹绘图&#10;墨迹绘图&#10;墨迹绘图&#10;墨迹绘图&#10;墨迹绘图&#10;墨迹绘图&#10;墨迹绘图&#10;墨迹绘图&#10;墨迹绘图&#10;墨迹绘图&#10;墨迹绘图&#10;墨迹绘图&#10;墨迹绘图&#10;墨迹绘图&#10;墨迹绘图&#10;墨迹绘图&#10;墨迹绘图&#10;墨迹绘图&#10;墨迹绘图&#10;墨迹绘图&#10;墨迹绘图&#10;墨迹绘图&#10;墨迹绘图&#10;墨迹绘图&#10;墨迹绘图&#10;墨迹绘图&#10;墨迹绘图&#10;墨迹绘图&#10;墨迹绘图&#10;墨迹绘图&#10;墨迹绘图&#10;墨迹绘图&#10;墨迹绘图&#10;墨迹绘图&#10;墨迹绘图&#10;墨迹绘图&#10;墨迹绘图&#10;墨迹绘图&#10;墨迹绘图&#10;墨迹绘图&#10;墨迹绘图&#10;墨迹绘图&#10;墨迹绘图&#10;墨迹绘图&#10;墨迹绘图&#10;墨迹绘图&#10;墨迹绘图&#10;墨迹绘图&#10;墨迹绘图&#10;墨迹绘图&#10;墨迹绘图&#10;墨迹绘图&#10;墨迹绘图&#10;墨迹绘图&#10;墨迹绘图&#10;墨迹绘图&#10;墨迹绘图&#10;墨迹绘图&#10;墨迹绘图&#10;墨迹绘图&#10;墨迹绘图&#10;墨迹绘图&#10;墨迹绘图&#10;墨迹绘图&#10;墨迹绘图&#10;墨迹绘图&#10;墨迹绘图&#10;墨迹绘图&#10;墨迹绘图&#10;墨迹绘图&#10;墨迹绘图&#10;墨迹绘图&#10;墨迹绘图&#10;墨迹绘图&#10;墨迹绘图&#10;墨迹绘图&#10;墨迹绘图&#10;墨迹绘图&#10;墨迹绘图&#10;墨迹绘图&#10;墨迹绘图&#10;墨迹绘图&#10;墨迹绘图&#10;墨迹绘图&#10;墨迹绘图&#10;墨迹绘图&#10;墨迹绘图&#10;墨迹绘图&#10;墨迹绘图&#10;墨迹绘图&#10;墨迹绘图&#10;墨迹绘图&#10;墨迹绘图&#10;墨迹绘图&#10;墨迹绘图&#10;墨迹绘图&#10;墨迹绘图&#10;墨迹绘图&#10;墨迹绘图&#10;墨迹绘图&#10;">
-            <a:extLst>
-              <a:ext uri="{FF2B5EF4-FFF2-40B4-BE49-F238E27FC236}">
-                <a16:creationId xmlns:a16="http://schemas.microsoft.com/office/drawing/2014/main" id="{97AD57D2-82DC-14A2-4CB4-1C74854FA60A}"/>
-              </a:ext>
-            </a:extLst>
-          </p:cNvPr>
-          <p:cNvPicPr>
-            <a:picLocks noChangeAspect="1" noChangeArrowheads="1"/>
-          </p:cNvPicPr>
-          <p:nvPr/>
-        </p:nvPicPr>
-        <p:blipFill>
-          <a:blip r:embed="rId2">
-            <a:extLst>
-              <a:ext uri="{28A0092B-C50C-407E-A947-70E740481C1C}">
-                <a14:useLocalDpi xmlns:a14="http://schemas.microsoft.com/office/drawing/2010/main" val="0"/>
-              </a:ext>
-            </a:extLst>
-          </a:blip>
-          <a:srcRect/>
-          <a:stretch>
-            <a:fillRect/>
-          </a:stretch>
-        </p:blipFill>
-        <p:spPr bwMode="auto">
-          <a:xfrm>
-            <a:off x="742950" y="1853318"/>
-            <a:ext cx="6407150" cy="4093457"/>
-          </a:xfrm>
-          <a:prstGeom prst="rect">
-            <a:avLst/>
-          </a:prstGeom>
-          <a:noFill/>
-          <a:extLst>
-            <a:ext uri="{909E8E84-426E-40DD-AFC4-6F175D3DCCD1}">
-              <a14:hiddenFill xmlns:a14="http://schemas.microsoft.com/office/drawing/2010/main">
-                <a:solidFill>
-                  <a:srgbClr val="FFFFFF"/>
-                </a:solidFill>
-              </a14:hiddenFill>
-            </a:ext>
-          </a:extLst>
-        </p:spPr>
-      </p:pic>
-    </p:spTree>
-    <p:extLst>
-      <p:ext uri="{BB962C8B-B14F-4D97-AF65-F5344CB8AC3E}">
-        <p14:creationId xmlns:p14="http://schemas.microsoft.com/office/powerpoint/2010/main" val="1694401749"/>
-      </p:ext>
-    </p:extLst>
-  </p:cSld>
-  <p:clrMapOvr>
-    <a:masterClrMapping/>
-  </p:clrMapOvr>
-</p:sld>
-</file>
-
-<file path=ppt/slides/slide6.xml><?xml version="1.0" encoding="utf-8"?>
-<p:sld xmlns:a="http://schemas.openxmlformats.org/drawingml/2006/main" xmlns:r="http://schemas.openxmlformats.org/officeDocument/2006/relationships" xmlns:p="http://schemas.openxmlformats.org/presentationml/2006/main">
-  <p:cSld>
-    <p:spTree>
-      <p:nvGrpSpPr>
-        <p:cNvPr id="1" name=""/>
-        <p:cNvGrpSpPr/>
-        <p:nvPr/>
-      </p:nvGrpSpPr>
-      <p:grpSpPr>
-        <a:xfrm>
-          <a:off x="0" y="0"/>
-          <a:ext cx="0" cy="0"/>
-          <a:chOff x="0" y="0"/>
-          <a:chExt cx="0" cy="0"/>
-        </a:xfrm>
-      </p:grpSpPr>
-      <p:sp>
-        <p:nvSpPr>
-          <p:cNvPr id="2" name="标题 1">
-            <a:extLst>
-              <a:ext uri="{FF2B5EF4-FFF2-40B4-BE49-F238E27FC236}">
-                <a16:creationId xmlns:a16="http://schemas.microsoft.com/office/drawing/2014/main" id="{0AD333CB-0357-E15A-8FEA-5FBA25C769F6}"/>
-              </a:ext>
-            </a:extLst>
-          </p:cNvPr>
-          <p:cNvSpPr>
-            <a:spLocks noGrp="1"/>
-          </p:cNvSpPr>
-          <p:nvPr>
-            <p:ph type="title"/>
-          </p:nvPr>
-        </p:nvSpPr>
-        <p:spPr/>
-        <p:txBody>
-          <a:bodyPr/>
-          <a:lstStyle/>
-          <a:p>
-            <a:r>
-              <a:rPr lang="zh-CN" altLang="en-US" dirty="0"/>
-              <a:t>反向传播的顺序</a:t>
-            </a:r>
-          </a:p>
-        </p:txBody>
-      </p:sp>
-      <p:sp>
-        <p:nvSpPr>
-          <p:cNvPr id="3" name="灯片编号占位符 2">
-            <a:extLst>
-              <a:ext uri="{FF2B5EF4-FFF2-40B4-BE49-F238E27FC236}">
-                <a16:creationId xmlns:a16="http://schemas.microsoft.com/office/drawing/2014/main" id="{CDA9788D-35F3-FE45-51AA-43D680CBB85A}"/>
-              </a:ext>
-            </a:extLst>
-          </p:cNvPr>
-          <p:cNvSpPr>
-            <a:spLocks noGrp="1"/>
-          </p:cNvSpPr>
-          <p:nvPr>
-            <p:ph type="sldNum" sz="quarter" idx="12"/>
-          </p:nvPr>
-        </p:nvSpPr>
-        <p:spPr/>
-        <p:txBody>
-          <a:bodyPr/>
-          <a:lstStyle/>
-          <a:p>
-            <a:fld id="{565CE74E-AB26-4998-AD42-012C4C1AD076}" type="slidenum">
-              <a:rPr lang="zh-CN" altLang="en-US" smtClean="0"/>
-              <a:pPr/>
-              <a:t>6</a:t>
-            </a:fld>
-            <a:endParaRPr lang="zh-CN" altLang="en-US" dirty="0"/>
-          </a:p>
-        </p:txBody>
-      </p:sp>
-      <p:pic>
-        <p:nvPicPr>
-          <p:cNvPr id="5" name="图片 4">
-            <a:extLst>
-              <a:ext uri="{FF2B5EF4-FFF2-40B4-BE49-F238E27FC236}">
-                <a16:creationId xmlns:a16="http://schemas.microsoft.com/office/drawing/2014/main" id="{03FFA22C-54D7-B0BF-AB96-057F81D91C65}"/>
-              </a:ext>
-            </a:extLst>
-          </p:cNvPr>
-          <p:cNvPicPr>
-            <a:picLocks noChangeAspect="1"/>
-          </p:cNvPicPr>
-          <p:nvPr/>
-        </p:nvPicPr>
-        <p:blipFill>
-          <a:blip r:embed="rId2">
-            <a:extLst>
-              <a:ext uri="{28A0092B-C50C-407E-A947-70E740481C1C}">
-                <a14:useLocalDpi xmlns:a14="http://schemas.microsoft.com/office/drawing/2010/main" val="0"/>
-              </a:ext>
-            </a:extLst>
-          </a:blip>
-          <a:stretch>
-            <a:fillRect/>
-          </a:stretch>
-        </p:blipFill>
-        <p:spPr>
-          <a:xfrm>
-            <a:off x="639891" y="1357223"/>
-            <a:ext cx="9255966" cy="4697210"/>
-          </a:xfrm>
-          <a:prstGeom prst="rect">
-            <a:avLst/>
-          </a:prstGeom>
-        </p:spPr>
-      </p:pic>
-    </p:spTree>
-    <p:extLst>
-      <p:ext uri="{BB962C8B-B14F-4D97-AF65-F5344CB8AC3E}">
-        <p14:creationId xmlns:p14="http://schemas.microsoft.com/office/powerpoint/2010/main" val="2191741981"/>
       </p:ext>
     </p:extLst>
   </p:cSld>
